--- a/Final Project/展示ppt.pptx
+++ b/Final Project/展示ppt.pptx
@@ -255,7 +255,7 @@
           <a:p>
             <a:fld id="{042A0892-48F5-400D-9A65-6168D6414168}" type="datetimeFigureOut">
               <a:rPr lang="zh-CN" altLang="en-US" smtClean="0"/>
-              <a:t>2021/6/26</a:t>
+              <a:t>2021/6/29</a:t>
             </a:fld>
             <a:endParaRPr lang="zh-CN" altLang="en-US"/>
           </a:p>
@@ -2646,7 +2646,7 @@
           <a:p>
             <a:fld id="{E650F6C9-59DB-45A4-B5F3-4BA38C0FBD5F}" type="datetimeFigureOut">
               <a:rPr lang="zh-CN" altLang="en-US" smtClean="0"/>
-              <a:t>2021/6/26</a:t>
+              <a:t>2021/6/29</a:t>
             </a:fld>
             <a:endParaRPr lang="zh-CN" altLang="en-US"/>
           </a:p>
@@ -2844,7 +2844,7 @@
           <a:p>
             <a:fld id="{E650F6C9-59DB-45A4-B5F3-4BA38C0FBD5F}" type="datetimeFigureOut">
               <a:rPr lang="zh-CN" altLang="en-US" smtClean="0"/>
-              <a:t>2021/6/26</a:t>
+              <a:t>2021/6/29</a:t>
             </a:fld>
             <a:endParaRPr lang="zh-CN" altLang="en-US"/>
           </a:p>
@@ -3052,7 +3052,7 @@
           <a:p>
             <a:fld id="{E650F6C9-59DB-45A4-B5F3-4BA38C0FBD5F}" type="datetimeFigureOut">
               <a:rPr lang="zh-CN" altLang="en-US" smtClean="0"/>
-              <a:t>2021/6/26</a:t>
+              <a:t>2021/6/29</a:t>
             </a:fld>
             <a:endParaRPr lang="zh-CN" altLang="en-US"/>
           </a:p>
@@ -3250,7 +3250,7 @@
           <a:p>
             <a:fld id="{E650F6C9-59DB-45A4-B5F3-4BA38C0FBD5F}" type="datetimeFigureOut">
               <a:rPr lang="zh-CN" altLang="en-US" smtClean="0"/>
-              <a:t>2021/6/26</a:t>
+              <a:t>2021/6/29</a:t>
             </a:fld>
             <a:endParaRPr lang="zh-CN" altLang="en-US"/>
           </a:p>
@@ -3525,7 +3525,7 @@
           <a:p>
             <a:fld id="{E650F6C9-59DB-45A4-B5F3-4BA38C0FBD5F}" type="datetimeFigureOut">
               <a:rPr lang="zh-CN" altLang="en-US" smtClean="0"/>
-              <a:t>2021/6/26</a:t>
+              <a:t>2021/6/29</a:t>
             </a:fld>
             <a:endParaRPr lang="zh-CN" altLang="en-US"/>
           </a:p>
@@ -3790,7 +3790,7 @@
           <a:p>
             <a:fld id="{E650F6C9-59DB-45A4-B5F3-4BA38C0FBD5F}" type="datetimeFigureOut">
               <a:rPr lang="zh-CN" altLang="en-US" smtClean="0"/>
-              <a:t>2021/6/26</a:t>
+              <a:t>2021/6/29</a:t>
             </a:fld>
             <a:endParaRPr lang="zh-CN" altLang="en-US"/>
           </a:p>
@@ -4202,7 +4202,7 @@
           <a:p>
             <a:fld id="{E650F6C9-59DB-45A4-B5F3-4BA38C0FBD5F}" type="datetimeFigureOut">
               <a:rPr lang="zh-CN" altLang="en-US" smtClean="0"/>
-              <a:t>2021/6/26</a:t>
+              <a:t>2021/6/29</a:t>
             </a:fld>
             <a:endParaRPr lang="zh-CN" altLang="en-US"/>
           </a:p>
@@ -4343,7 +4343,7 @@
           <a:p>
             <a:fld id="{E650F6C9-59DB-45A4-B5F3-4BA38C0FBD5F}" type="datetimeFigureOut">
               <a:rPr lang="zh-CN" altLang="en-US" smtClean="0"/>
-              <a:t>2021/6/26</a:t>
+              <a:t>2021/6/29</a:t>
             </a:fld>
             <a:endParaRPr lang="zh-CN" altLang="en-US"/>
           </a:p>
@@ -4456,7 +4456,7 @@
           <a:p>
             <a:fld id="{E650F6C9-59DB-45A4-B5F3-4BA38C0FBD5F}" type="datetimeFigureOut">
               <a:rPr lang="zh-CN" altLang="en-US" smtClean="0"/>
-              <a:t>2021/6/26</a:t>
+              <a:t>2021/6/29</a:t>
             </a:fld>
             <a:endParaRPr lang="zh-CN" altLang="en-US"/>
           </a:p>
@@ -4767,7 +4767,7 @@
           <a:p>
             <a:fld id="{E650F6C9-59DB-45A4-B5F3-4BA38C0FBD5F}" type="datetimeFigureOut">
               <a:rPr lang="zh-CN" altLang="en-US" smtClean="0"/>
-              <a:t>2021/6/26</a:t>
+              <a:t>2021/6/29</a:t>
             </a:fld>
             <a:endParaRPr lang="zh-CN" altLang="en-US"/>
           </a:p>
@@ -5055,7 +5055,7 @@
           <a:p>
             <a:fld id="{E650F6C9-59DB-45A4-B5F3-4BA38C0FBD5F}" type="datetimeFigureOut">
               <a:rPr lang="zh-CN" altLang="en-US" smtClean="0"/>
-              <a:t>2021/6/26</a:t>
+              <a:t>2021/6/29</a:t>
             </a:fld>
             <a:endParaRPr lang="zh-CN" altLang="en-US"/>
           </a:p>
@@ -5296,7 +5296,7 @@
           <a:p>
             <a:fld id="{E650F6C9-59DB-45A4-B5F3-4BA38C0FBD5F}" type="datetimeFigureOut">
               <a:rPr lang="zh-CN" altLang="en-US" smtClean="0"/>
-              <a:t>2021/6/26</a:t>
+              <a:t>2021/6/29</a:t>
             </a:fld>
             <a:endParaRPr lang="zh-CN" altLang="en-US"/>
           </a:p>
@@ -18821,7 +18821,7 @@
         <p:spPr>
           <a:xfrm>
             <a:off x="1358537" y="1549182"/>
-            <a:ext cx="8995954" cy="2585323"/>
+            <a:ext cx="8995954" cy="2862322"/>
           </a:xfrm>
           <a:prstGeom prst="rect">
             <a:avLst/>
@@ -18842,6 +18842,10 @@
               <a:t> </a:t>
             </a:r>
             <a:r>
+              <a:rPr lang="zh-CN" altLang="en-US" dirty="0" smtClean="0"/>
+              <a:t>非线性</a:t>
+            </a:r>
+            <a:r>
               <a:rPr lang="zh-CN" altLang="zh-CN" dirty="0" smtClean="0"/>
               <a:t>激活函数</a:t>
             </a:r>
@@ -18951,8 +18955,21 @@
             </a:r>
             <a:r>
               <a:rPr lang="zh-CN" altLang="zh-CN" dirty="0"/>
-              <a:t>梯度从该位置停止前向传播。</a:t>
-            </a:r>
+              <a:t>梯度从该位置停止前向传播</a:t>
+            </a:r>
+            <a:r>
+              <a:rPr lang="zh-CN" altLang="zh-CN" dirty="0" smtClean="0"/>
+              <a:t>。</a:t>
+            </a:r>
+            <a:r>
+              <a:rPr lang="zh-CN" altLang="en-US" dirty="0" smtClean="0"/>
+              <a:t>舍弃掉不关联的数据</a:t>
+            </a:r>
+            <a:r>
+              <a:rPr lang="en-US" altLang="zh-CN" smtClean="0"/>
+              <a:t>.</a:t>
+            </a:r>
+            <a:endParaRPr lang="zh-CN" altLang="zh-CN" dirty="0"/>
           </a:p>
           <a:p>
             <a:r>
@@ -18989,7 +19006,22 @@
             </a:r>
             <a:r>
               <a:rPr lang="zh-CN" altLang="zh-CN" dirty="0"/>
-              <a:t>的准则很简单：神经网络中除输入层之外的每个节点都和上一层的所有节点有连接。我们还需要使用优化函数（</a:t>
+              <a:t>的准则很简单：神经网络中除输入层之外的每个节点都和上一层的所有节点有连接</a:t>
+            </a:r>
+            <a:r>
+              <a:rPr lang="zh-CN" altLang="zh-CN" dirty="0" smtClean="0"/>
+              <a:t>。</a:t>
+            </a:r>
+            <a:endParaRPr lang="en-US" altLang="zh-CN" dirty="0" smtClean="0"/>
+          </a:p>
+          <a:p>
+            <a:r>
+              <a:rPr lang="zh-CN" altLang="zh-CN" dirty="0" smtClean="0"/>
+              <a:t>我们</a:t>
+            </a:r>
+            <a:r>
+              <a:rPr lang="zh-CN" altLang="zh-CN" dirty="0"/>
+              <a:t>还需要使用优化函数（</a:t>
             </a:r>
             <a:r>
               <a:rPr lang="en-US" altLang="zh-CN" dirty="0"/>
@@ -25554,7 +25586,6 @@
               <a:rPr lang="zh-CN" altLang="zh-CN" dirty="0"/>
               <a:t>就应该用彩色图做，当时顿时觉得有点无奈，但回过头来看，我在查怎么转成灰度的时候，也加深了我对这个数据结构的了解。 </a:t>
             </a:r>
-            <a:endParaRPr lang="zh-CN" altLang="zh-CN" dirty="0"/>
           </a:p>
         </p:txBody>
       </p:sp>
@@ -42829,7 +42860,7 @@
         <p:spPr>
           <a:xfrm>
             <a:off x="1358537" y="1549182"/>
-            <a:ext cx="8995954" cy="1754326"/>
+            <a:ext cx="8995954" cy="2031325"/>
           </a:xfrm>
           <a:prstGeom prst="rect">
             <a:avLst/>
@@ -42931,6 +42962,36 @@
             </a:r>
           </a:p>
           <a:p>
+            <a:r>
+              <a:rPr lang="zh-CN" altLang="en-US" dirty="0" smtClean="0"/>
+              <a:t>我们训练卷积核的参数</a:t>
+            </a:r>
+            <a:r>
+              <a:rPr lang="en-US" altLang="zh-CN" dirty="0" smtClean="0"/>
+              <a:t>.</a:t>
+            </a:r>
+          </a:p>
+          <a:p>
+            <a:r>
+              <a:rPr lang="en-US" altLang="zh-CN" dirty="0" err="1" smtClean="0"/>
+              <a:t>Maxpool</a:t>
+            </a:r>
+            <a:r>
+              <a:rPr lang="zh-CN" altLang="en-US" dirty="0" smtClean="0"/>
+              <a:t>用最大值来池化</a:t>
+            </a:r>
+            <a:r>
+              <a:rPr lang="en-US" altLang="zh-CN" dirty="0" smtClean="0"/>
+              <a:t>, </a:t>
+            </a:r>
+            <a:r>
+              <a:rPr lang="zh-CN" altLang="en-US" dirty="0" smtClean="0"/>
+              <a:t>减小输入大小</a:t>
+            </a:r>
+            <a:r>
+              <a:rPr lang="en-US" altLang="zh-CN" dirty="0" smtClean="0"/>
+              <a:t>.</a:t>
+            </a:r>
             <a:endParaRPr lang="zh-CN" altLang="zh-CN" dirty="0" smtClean="0"/>
           </a:p>
           <a:p>
